--- a/prototype/게시판 프로토타입.pptx
+++ b/prototype/게시판 프로토타입.pptx
@@ -291,7 +291,8 @@
           <a:p>
             <a:fld id="{6CC6BAE0-43C4-4042-B6F1-E211D48E076D}" type="datetimeFigureOut">
               <a:rPr lang="ko-KR" altLang="en-US" smtClean="0"/>
-              <a:t>2015-05-11</a:t>
+              <a:pPr/>
+              <a:t>2015-05-13</a:t>
             </a:fld>
             <a:endParaRPr lang="ko-KR" altLang="en-US"/>
           </a:p>
@@ -333,6 +334,7 @@
           <a:p>
             <a:fld id="{39EA6AD1-E7A2-4A7E-9A16-E5EBFE5FEF59}" type="slidenum">
               <a:rPr lang="ko-KR" altLang="en-US" smtClean="0"/>
+              <a:pPr/>
               <a:t>‹#›</a:t>
             </a:fld>
             <a:endParaRPr lang="ko-KR" altLang="en-US"/>
@@ -456,7 +458,8 @@
           <a:p>
             <a:fld id="{6CC6BAE0-43C4-4042-B6F1-E211D48E076D}" type="datetimeFigureOut">
               <a:rPr lang="ko-KR" altLang="en-US" smtClean="0"/>
-              <a:t>2015-05-11</a:t>
+              <a:pPr/>
+              <a:t>2015-05-13</a:t>
             </a:fld>
             <a:endParaRPr lang="ko-KR" altLang="en-US"/>
           </a:p>
@@ -498,6 +501,7 @@
           <a:p>
             <a:fld id="{39EA6AD1-E7A2-4A7E-9A16-E5EBFE5FEF59}" type="slidenum">
               <a:rPr lang="ko-KR" altLang="en-US" smtClean="0"/>
+              <a:pPr/>
               <a:t>‹#›</a:t>
             </a:fld>
             <a:endParaRPr lang="ko-KR" altLang="en-US"/>
@@ -631,7 +635,8 @@
           <a:p>
             <a:fld id="{6CC6BAE0-43C4-4042-B6F1-E211D48E076D}" type="datetimeFigureOut">
               <a:rPr lang="ko-KR" altLang="en-US" smtClean="0"/>
-              <a:t>2015-05-11</a:t>
+              <a:pPr/>
+              <a:t>2015-05-13</a:t>
             </a:fld>
             <a:endParaRPr lang="ko-KR" altLang="en-US"/>
           </a:p>
@@ -673,6 +678,7 @@
           <a:p>
             <a:fld id="{39EA6AD1-E7A2-4A7E-9A16-E5EBFE5FEF59}" type="slidenum">
               <a:rPr lang="ko-KR" altLang="en-US" smtClean="0"/>
+              <a:pPr/>
               <a:t>‹#›</a:t>
             </a:fld>
             <a:endParaRPr lang="ko-KR" altLang="en-US"/>
@@ -796,7 +802,8 @@
           <a:p>
             <a:fld id="{6CC6BAE0-43C4-4042-B6F1-E211D48E076D}" type="datetimeFigureOut">
               <a:rPr lang="ko-KR" altLang="en-US" smtClean="0"/>
-              <a:t>2015-05-11</a:t>
+              <a:pPr/>
+              <a:t>2015-05-13</a:t>
             </a:fld>
             <a:endParaRPr lang="ko-KR" altLang="en-US"/>
           </a:p>
@@ -838,6 +845,7 @@
           <a:p>
             <a:fld id="{39EA6AD1-E7A2-4A7E-9A16-E5EBFE5FEF59}" type="slidenum">
               <a:rPr lang="ko-KR" altLang="en-US" smtClean="0"/>
+              <a:pPr/>
               <a:t>‹#›</a:t>
             </a:fld>
             <a:endParaRPr lang="ko-KR" altLang="en-US"/>
@@ -1037,7 +1045,8 @@
           <a:p>
             <a:fld id="{6CC6BAE0-43C4-4042-B6F1-E211D48E076D}" type="datetimeFigureOut">
               <a:rPr lang="ko-KR" altLang="en-US" smtClean="0"/>
-              <a:t>2015-05-11</a:t>
+              <a:pPr/>
+              <a:t>2015-05-13</a:t>
             </a:fld>
             <a:endParaRPr lang="ko-KR" altLang="en-US"/>
           </a:p>
@@ -1079,6 +1088,7 @@
           <a:p>
             <a:fld id="{39EA6AD1-E7A2-4A7E-9A16-E5EBFE5FEF59}" type="slidenum">
               <a:rPr lang="ko-KR" altLang="en-US" smtClean="0"/>
+              <a:pPr/>
               <a:t>‹#›</a:t>
             </a:fld>
             <a:endParaRPr lang="ko-KR" altLang="en-US"/>
@@ -1320,7 +1330,8 @@
           <a:p>
             <a:fld id="{6CC6BAE0-43C4-4042-B6F1-E211D48E076D}" type="datetimeFigureOut">
               <a:rPr lang="ko-KR" altLang="en-US" smtClean="0"/>
-              <a:t>2015-05-11</a:t>
+              <a:pPr/>
+              <a:t>2015-05-13</a:t>
             </a:fld>
             <a:endParaRPr lang="ko-KR" altLang="en-US"/>
           </a:p>
@@ -1362,6 +1373,7 @@
           <a:p>
             <a:fld id="{39EA6AD1-E7A2-4A7E-9A16-E5EBFE5FEF59}" type="slidenum">
               <a:rPr lang="ko-KR" altLang="en-US" smtClean="0"/>
+              <a:pPr/>
               <a:t>‹#›</a:t>
             </a:fld>
             <a:endParaRPr lang="ko-KR" altLang="en-US"/>
@@ -1737,7 +1749,8 @@
           <a:p>
             <a:fld id="{6CC6BAE0-43C4-4042-B6F1-E211D48E076D}" type="datetimeFigureOut">
               <a:rPr lang="ko-KR" altLang="en-US" smtClean="0"/>
-              <a:t>2015-05-11</a:t>
+              <a:pPr/>
+              <a:t>2015-05-13</a:t>
             </a:fld>
             <a:endParaRPr lang="ko-KR" altLang="en-US"/>
           </a:p>
@@ -1779,6 +1792,7 @@
           <a:p>
             <a:fld id="{39EA6AD1-E7A2-4A7E-9A16-E5EBFE5FEF59}" type="slidenum">
               <a:rPr lang="ko-KR" altLang="en-US" smtClean="0"/>
+              <a:pPr/>
               <a:t>‹#›</a:t>
             </a:fld>
             <a:endParaRPr lang="ko-KR" altLang="en-US"/>
@@ -1850,7 +1864,8 @@
           <a:p>
             <a:fld id="{6CC6BAE0-43C4-4042-B6F1-E211D48E076D}" type="datetimeFigureOut">
               <a:rPr lang="ko-KR" altLang="en-US" smtClean="0"/>
-              <a:t>2015-05-11</a:t>
+              <a:pPr/>
+              <a:t>2015-05-13</a:t>
             </a:fld>
             <a:endParaRPr lang="ko-KR" altLang="en-US"/>
           </a:p>
@@ -1892,6 +1907,7 @@
           <a:p>
             <a:fld id="{39EA6AD1-E7A2-4A7E-9A16-E5EBFE5FEF59}" type="slidenum">
               <a:rPr lang="ko-KR" altLang="en-US" smtClean="0"/>
+              <a:pPr/>
               <a:t>‹#›</a:t>
             </a:fld>
             <a:endParaRPr lang="ko-KR" altLang="en-US"/>
@@ -1940,7 +1956,8 @@
           <a:p>
             <a:fld id="{6CC6BAE0-43C4-4042-B6F1-E211D48E076D}" type="datetimeFigureOut">
               <a:rPr lang="ko-KR" altLang="en-US" smtClean="0"/>
-              <a:t>2015-05-11</a:t>
+              <a:pPr/>
+              <a:t>2015-05-13</a:t>
             </a:fld>
             <a:endParaRPr lang="ko-KR" altLang="en-US"/>
           </a:p>
@@ -1982,6 +1999,7 @@
           <a:p>
             <a:fld id="{39EA6AD1-E7A2-4A7E-9A16-E5EBFE5FEF59}" type="slidenum">
               <a:rPr lang="ko-KR" altLang="en-US" smtClean="0"/>
+              <a:pPr/>
               <a:t>‹#›</a:t>
             </a:fld>
             <a:endParaRPr lang="ko-KR" altLang="en-US"/>
@@ -2212,7 +2230,8 @@
           <a:p>
             <a:fld id="{6CC6BAE0-43C4-4042-B6F1-E211D48E076D}" type="datetimeFigureOut">
               <a:rPr lang="ko-KR" altLang="en-US" smtClean="0"/>
-              <a:t>2015-05-11</a:t>
+              <a:pPr/>
+              <a:t>2015-05-13</a:t>
             </a:fld>
             <a:endParaRPr lang="ko-KR" altLang="en-US"/>
           </a:p>
@@ -2254,6 +2273,7 @@
           <a:p>
             <a:fld id="{39EA6AD1-E7A2-4A7E-9A16-E5EBFE5FEF59}" type="slidenum">
               <a:rPr lang="ko-KR" altLang="en-US" smtClean="0"/>
+              <a:pPr/>
               <a:t>‹#›</a:t>
             </a:fld>
             <a:endParaRPr lang="ko-KR" altLang="en-US"/>
@@ -2460,7 +2480,8 @@
           <a:p>
             <a:fld id="{6CC6BAE0-43C4-4042-B6F1-E211D48E076D}" type="datetimeFigureOut">
               <a:rPr lang="ko-KR" altLang="en-US" smtClean="0"/>
-              <a:t>2015-05-11</a:t>
+              <a:pPr/>
+              <a:t>2015-05-13</a:t>
             </a:fld>
             <a:endParaRPr lang="ko-KR" altLang="en-US"/>
           </a:p>
@@ -2502,6 +2523,7 @@
           <a:p>
             <a:fld id="{39EA6AD1-E7A2-4A7E-9A16-E5EBFE5FEF59}" type="slidenum">
               <a:rPr lang="ko-KR" altLang="en-US" smtClean="0"/>
+              <a:pPr/>
               <a:t>‹#›</a:t>
             </a:fld>
             <a:endParaRPr lang="ko-KR" altLang="en-US"/>
@@ -2668,7 +2690,8 @@
           <a:p>
             <a:fld id="{6CC6BAE0-43C4-4042-B6F1-E211D48E076D}" type="datetimeFigureOut">
               <a:rPr lang="ko-KR" altLang="en-US" smtClean="0"/>
-              <a:t>2015-05-11</a:t>
+              <a:pPr/>
+              <a:t>2015-05-13</a:t>
             </a:fld>
             <a:endParaRPr lang="ko-KR" altLang="en-US"/>
           </a:p>
@@ -2746,6 +2769,7 @@
           <a:p>
             <a:fld id="{39EA6AD1-E7A2-4A7E-9A16-E5EBFE5FEF59}" type="slidenum">
               <a:rPr lang="ko-KR" altLang="en-US" smtClean="0"/>
+              <a:pPr/>
               <a:t>‹#›</a:t>
             </a:fld>
             <a:endParaRPr lang="ko-KR" altLang="en-US"/>
@@ -4051,11 +4075,7 @@
                       </a:r>
                       <a:r>
                         <a:rPr lang="en-US" altLang="ko-KR" sz="1050" dirty="0" smtClean="0"/>
-                        <a:t>~ </a:t>
-                      </a:r>
-                      <a:r>
-                        <a:rPr lang="en-US" altLang="ko-KR" sz="1050" dirty="0" smtClean="0"/>
-                        <a:t>2</a:t>
+                        <a:t>~ 2</a:t>
                       </a:r>
                       <a:endParaRPr lang="ko-KR" altLang="en-US" sz="1050" dirty="0"/>
                     </a:p>
@@ -4321,11 +4341,7 @@
                       </a:r>
                       <a:r>
                         <a:rPr lang="en-US" altLang="ko-KR" sz="1050" dirty="0" smtClean="0"/>
-                        <a:t>~ </a:t>
-                      </a:r>
-                      <a:r>
-                        <a:rPr lang="en-US" altLang="ko-KR" sz="1050" dirty="0" smtClean="0"/>
-                        <a:t>3</a:t>
+                        <a:t>~ 3</a:t>
                       </a:r>
                       <a:endParaRPr lang="ko-KR" altLang="en-US" sz="1050" dirty="0"/>
                     </a:p>
@@ -4591,11 +4607,7 @@
                       </a:r>
                       <a:r>
                         <a:rPr lang="en-US" altLang="ko-KR" sz="1050" dirty="0" smtClean="0"/>
-                        <a:t>~ </a:t>
-                      </a:r>
-                      <a:r>
-                        <a:rPr lang="en-US" altLang="ko-KR" sz="1050" dirty="0" smtClean="0"/>
-                        <a:t>4</a:t>
+                        <a:t>~ 4</a:t>
                       </a:r>
                       <a:endParaRPr lang="ko-KR" altLang="en-US" sz="1050" dirty="0"/>
                     </a:p>
@@ -4861,11 +4873,7 @@
                       </a:r>
                       <a:r>
                         <a:rPr lang="en-US" altLang="ko-KR" sz="1050" dirty="0" smtClean="0"/>
-                        <a:t>~ </a:t>
-                      </a:r>
-                      <a:r>
-                        <a:rPr lang="en-US" altLang="ko-KR" sz="1050" dirty="0" smtClean="0"/>
-                        <a:t>5</a:t>
+                        <a:t>~ 5</a:t>
                       </a:r>
                       <a:endParaRPr lang="ko-KR" altLang="en-US" sz="1050" dirty="0"/>
                     </a:p>
@@ -5131,11 +5139,7 @@
                       </a:r>
                       <a:r>
                         <a:rPr lang="en-US" altLang="ko-KR" sz="1050" dirty="0" smtClean="0"/>
-                        <a:t>~ </a:t>
-                      </a:r>
-                      <a:r>
-                        <a:rPr lang="en-US" altLang="ko-KR" sz="1050" dirty="0" smtClean="0"/>
-                        <a:t>6</a:t>
+                        <a:t>~ 6</a:t>
                       </a:r>
                       <a:endParaRPr lang="ko-KR" altLang="en-US" sz="1050" dirty="0"/>
                     </a:p>
@@ -5401,11 +5405,7 @@
                       </a:r>
                       <a:r>
                         <a:rPr lang="en-US" altLang="ko-KR" sz="1050" dirty="0" smtClean="0"/>
-                        <a:t>~ </a:t>
-                      </a:r>
-                      <a:r>
-                        <a:rPr lang="en-US" altLang="ko-KR" sz="1050" dirty="0" smtClean="0"/>
-                        <a:t>7</a:t>
+                        <a:t>~ 7</a:t>
                       </a:r>
                       <a:endParaRPr lang="ko-KR" altLang="en-US" sz="1050" dirty="0"/>
                     </a:p>
@@ -5671,11 +5671,7 @@
                       </a:r>
                       <a:r>
                         <a:rPr lang="en-US" altLang="ko-KR" sz="1050" dirty="0" smtClean="0"/>
-                        <a:t>~ </a:t>
-                      </a:r>
-                      <a:r>
-                        <a:rPr lang="en-US" altLang="ko-KR" sz="1050" dirty="0" smtClean="0"/>
-                        <a:t>8</a:t>
+                        <a:t>~ 8</a:t>
                       </a:r>
                       <a:endParaRPr lang="ko-KR" altLang="en-US" sz="1050" dirty="0"/>
                     </a:p>
@@ -5941,11 +5937,7 @@
                       </a:r>
                       <a:r>
                         <a:rPr lang="en-US" altLang="ko-KR" sz="1050" dirty="0" smtClean="0"/>
-                        <a:t>~ </a:t>
-                      </a:r>
-                      <a:r>
-                        <a:rPr lang="en-US" altLang="ko-KR" sz="1050" dirty="0" smtClean="0"/>
-                        <a:t>9</a:t>
+                        <a:t>~ 9</a:t>
                       </a:r>
                       <a:endParaRPr lang="ko-KR" altLang="en-US" sz="1050" dirty="0"/>
                     </a:p>
@@ -6211,11 +6203,7 @@
                       </a:r>
                       <a:r>
                         <a:rPr lang="en-US" altLang="ko-KR" sz="1050" dirty="0" smtClean="0"/>
-                        <a:t>~ </a:t>
-                      </a:r>
-                      <a:r>
-                        <a:rPr lang="en-US" altLang="ko-KR" sz="1050" dirty="0" smtClean="0"/>
-                        <a:t>10</a:t>
+                        <a:t>~ 10</a:t>
                       </a:r>
                       <a:endParaRPr lang="ko-KR" altLang="en-US" sz="1050" dirty="0"/>
                     </a:p>
@@ -6747,11 +6735,7 @@
                       </a:r>
                       <a:r>
                         <a:rPr lang="en-US" altLang="ko-KR" sz="1050" dirty="0" smtClean="0"/>
-                        <a:t>~ </a:t>
-                      </a:r>
-                      <a:r>
-                        <a:rPr lang="en-US" altLang="ko-KR" sz="1050" dirty="0" smtClean="0"/>
-                        <a:t>12</a:t>
+                        <a:t>~ 12</a:t>
                       </a:r>
                       <a:endParaRPr lang="ko-KR" altLang="en-US" sz="1050" dirty="0"/>
                     </a:p>
@@ -7017,11 +7001,7 @@
                       </a:r>
                       <a:r>
                         <a:rPr lang="en-US" altLang="ko-KR" sz="1050" dirty="0" smtClean="0"/>
-                        <a:t>~ </a:t>
-                      </a:r>
-                      <a:r>
-                        <a:rPr lang="en-US" altLang="ko-KR" sz="1050" dirty="0" smtClean="0"/>
-                        <a:t>13</a:t>
+                        <a:t>~ 13</a:t>
                       </a:r>
                       <a:endParaRPr lang="ko-KR" altLang="en-US" sz="1050" dirty="0"/>
                     </a:p>
@@ -7287,11 +7267,7 @@
                       </a:r>
                       <a:r>
                         <a:rPr lang="en-US" altLang="ko-KR" sz="1050" dirty="0" smtClean="0"/>
-                        <a:t>~ </a:t>
-                      </a:r>
-                      <a:r>
-                        <a:rPr lang="en-US" altLang="ko-KR" sz="1050" dirty="0" smtClean="0"/>
-                        <a:t>14</a:t>
+                        <a:t>~ 14</a:t>
                       </a:r>
                       <a:endParaRPr lang="ko-KR" altLang="en-US" sz="1050" dirty="0"/>
                     </a:p>
@@ -7552,18 +7528,13 @@
         </p:nvSpPr>
         <p:spPr>
           <a:xfrm>
-            <a:off x="7380312" y="5949280"/>
-            <a:ext cx="864096" cy="216024"/>
+            <a:off x="7308304" y="6021288"/>
+            <a:ext cx="825353" cy="288032"/>
           </a:xfrm>
           <a:prstGeom prst="roundRect">
             <a:avLst/>
           </a:prstGeom>
-          <a:solidFill>
-            <a:schemeClr val="accent3">
-              <a:lumMod val="20000"/>
-              <a:lumOff val="80000"/>
-            </a:schemeClr>
-          </a:solidFill>
+          <a:noFill/>
           <a:ln w="3175"/>
         </p:spPr>
         <p:style>
@@ -7716,6 +7687,32 @@
           </a:p>
         </p:txBody>
       </p:sp>
+      <p:pic>
+        <p:nvPicPr>
+          <p:cNvPr id="4098" name="Picture 2" descr="color, design, document, drawing, graphic, paint, pen, pencil, write, writing icon"/>
+          <p:cNvPicPr>
+            <a:picLocks noChangeAspect="1" noChangeArrowheads="1"/>
+          </p:cNvPicPr>
+          <p:nvPr/>
+        </p:nvPicPr>
+        <p:blipFill>
+          <a:blip r:embed="rId2" cstate="print"/>
+          <a:srcRect/>
+          <a:stretch>
+            <a:fillRect/>
+          </a:stretch>
+        </p:blipFill>
+        <p:spPr bwMode="auto">
+          <a:xfrm>
+            <a:off x="7076258" y="5983964"/>
+            <a:ext cx="360040" cy="360040"/>
+          </a:xfrm>
+          <a:prstGeom prst="rect">
+            <a:avLst/>
+          </a:prstGeom>
+          <a:noFill/>
+        </p:spPr>
+      </p:pic>
     </p:spTree>
   </p:cSld>
   <p:clrMapOvr>
